--- a/Lectures/Class_4.pptx
+++ b/Lectures/Class_4.pptx
@@ -5,7 +5,7 @@
     <p:sldMasterId id="2147483648" r:id="rId1"/>
   </p:sldMasterIdLst>
   <p:notesMasterIdLst>
-    <p:notesMasterId r:id="rId18"/>
+    <p:notesMasterId r:id="rId19"/>
   </p:notesMasterIdLst>
   <p:sldIdLst>
     <p:sldId id="256" r:id="rId2"/>
@@ -19,11 +19,12 @@
     <p:sldId id="268" r:id="rId10"/>
     <p:sldId id="270" r:id="rId11"/>
     <p:sldId id="271" r:id="rId12"/>
-    <p:sldId id="264" r:id="rId13"/>
-    <p:sldId id="265" r:id="rId14"/>
-    <p:sldId id="273" r:id="rId15"/>
-    <p:sldId id="272" r:id="rId16"/>
-    <p:sldId id="261" r:id="rId17"/>
+    <p:sldId id="274" r:id="rId13"/>
+    <p:sldId id="264" r:id="rId14"/>
+    <p:sldId id="265" r:id="rId15"/>
+    <p:sldId id="273" r:id="rId16"/>
+    <p:sldId id="272" r:id="rId17"/>
+    <p:sldId id="261" r:id="rId18"/>
   </p:sldIdLst>
   <p:sldSz cx="12192000" cy="6858000"/>
   <p:notesSz cx="6858000" cy="9144000"/>
@@ -3390,11 +3391,7 @@
           <a:p>
             <a:r>
               <a:rPr lang="en-US" dirty="0" smtClean="0"/>
-              <a:t>Class </a:t>
-            </a:r>
-            <a:r>
-              <a:rPr lang="en-US" dirty="0" smtClean="0"/>
-              <a:t>4: Parts of Speech and Phrases</a:t>
+              <a:t>Class 4: Parts of Speech and Phrases</a:t>
             </a:r>
             <a:endParaRPr lang="en-US" dirty="0"/>
           </a:p>
@@ -3570,7 +3567,6 @@
               <a:rPr lang="en-US" dirty="0"/>
               <a:t>Tree Structure of Sentences</a:t>
             </a:r>
-            <a:endParaRPr lang="en-US" dirty="0"/>
           </a:p>
         </p:txBody>
       </p:sp>
@@ -3718,6 +3714,150 @@
           <a:lstStyle/>
           <a:p>
             <a:r>
+              <a:rPr lang="en-US" dirty="0" err="1" smtClean="0"/>
+              <a:t>Justeson</a:t>
+            </a:r>
+            <a:r>
+              <a:rPr lang="en-US" dirty="0" smtClean="0"/>
+              <a:t> and Katz (1995) </a:t>
+            </a:r>
+            <a:r>
+              <a:rPr lang="mr-IN" dirty="0" smtClean="0"/>
+              <a:t>–</a:t>
+            </a:r>
+            <a:r>
+              <a:rPr lang="en-US" dirty="0" smtClean="0"/>
+              <a:t> TERMS </a:t>
+            </a:r>
+            <a:endParaRPr lang="en-US" dirty="0"/>
+          </a:p>
+        </p:txBody>
+      </p:sp>
+      <p:pic>
+        <p:nvPicPr>
+          <p:cNvPr id="3" name="Picture 2"/>
+          <p:cNvPicPr>
+            <a:picLocks noChangeAspect="1"/>
+          </p:cNvPicPr>
+          <p:nvPr/>
+        </p:nvPicPr>
+        <p:blipFill>
+          <a:blip r:embed="rId2">
+            <a:extLst>
+              <a:ext uri="{28A0092B-C50C-407E-A947-70E740481C1C}">
+                <a14:useLocalDpi xmlns:a14="http://schemas.microsoft.com/office/drawing/2010/main" val="0"/>
+              </a:ext>
+            </a:extLst>
+          </a:blip>
+          <a:stretch>
+            <a:fillRect/>
+          </a:stretch>
+        </p:blipFill>
+        <p:spPr>
+          <a:xfrm>
+            <a:off x="1714130" y="3369732"/>
+            <a:ext cx="8830763" cy="3217335"/>
+          </a:xfrm>
+          <a:prstGeom prst="rect">
+            <a:avLst/>
+          </a:prstGeom>
+        </p:spPr>
+      </p:pic>
+      <p:sp>
+        <p:nvSpPr>
+          <p:cNvPr id="5" name="Content Placeholder 2"/>
+          <p:cNvSpPr>
+            <a:spLocks noGrp="1"/>
+          </p:cNvSpPr>
+          <p:nvPr>
+            <p:ph idx="1"/>
+          </p:nvPr>
+        </p:nvSpPr>
+        <p:spPr>
+          <a:xfrm>
+            <a:off x="838200" y="1568979"/>
+            <a:ext cx="10667035" cy="1950508"/>
+          </a:xfrm>
+        </p:spPr>
+        <p:txBody>
+          <a:bodyPr>
+            <a:normAutofit/>
+          </a:bodyPr>
+          <a:lstStyle/>
+          <a:p>
+            <a:r>
+              <a:rPr lang="en-US" dirty="0" smtClean="0"/>
+              <a:t>﻿</a:t>
+            </a:r>
+            <a:r>
+              <a:rPr lang="en-US" dirty="0" smtClean="0">
+                <a:sym typeface="Wingdings"/>
+              </a:rPr>
+              <a:t>﻿Technical terminology (the kind of stuff you would put in an index) tends to consist of noun phrases). </a:t>
+            </a:r>
+          </a:p>
+          <a:p>
+            <a:r>
+              <a:rPr lang="en-US" dirty="0" smtClean="0">
+                <a:sym typeface="Wingdings"/>
+              </a:rPr>
+              <a:t>Simple heuristic algorithm to find these noun phrases efficiently in a document.</a:t>
+            </a:r>
+          </a:p>
+          <a:p>
+            <a:pPr lvl="1"/>
+            <a:endParaRPr lang="en-US" dirty="0" smtClean="0">
+              <a:sym typeface="Wingdings"/>
+            </a:endParaRPr>
+          </a:p>
+        </p:txBody>
+      </p:sp>
+    </p:spTree>
+    <p:extLst>
+      <p:ext uri="{BB962C8B-B14F-4D97-AF65-F5344CB8AC3E}">
+        <p14:creationId xmlns:p14="http://schemas.microsoft.com/office/powerpoint/2010/main" val="756509418"/>
+      </p:ext>
+    </p:extLst>
+  </p:cSld>
+  <p:clrMapOvr>
+    <a:masterClrMapping/>
+  </p:clrMapOvr>
+</p:sld>
+</file>
+
+<file path=ppt/slides/slide13.xml><?xml version="1.0" encoding="utf-8"?>
+<p:sld xmlns:a="http://schemas.openxmlformats.org/drawingml/2006/main" xmlns:r="http://schemas.openxmlformats.org/officeDocument/2006/relationships" xmlns:p="http://schemas.openxmlformats.org/presentationml/2006/main">
+  <p:cSld>
+    <p:spTree>
+      <p:nvGrpSpPr>
+        <p:cNvPr id="1" name=""/>
+        <p:cNvGrpSpPr/>
+        <p:nvPr/>
+      </p:nvGrpSpPr>
+      <p:grpSpPr>
+        <a:xfrm>
+          <a:off x="0" y="0"/>
+          <a:ext cx="0" cy="0"/>
+          <a:chOff x="0" y="0"/>
+          <a:chExt cx="0" cy="0"/>
+        </a:xfrm>
+      </p:grpSpPr>
+      <p:sp>
+        <p:nvSpPr>
+          <p:cNvPr id="2" name="Title 1"/>
+          <p:cNvSpPr>
+            <a:spLocks noGrp="1"/>
+          </p:cNvSpPr>
+          <p:nvPr>
+            <p:ph type="title"/>
+          </p:nvPr>
+        </p:nvSpPr>
+        <p:spPr/>
+        <p:txBody>
+          <a:bodyPr/>
+          <a:lstStyle/>
+          <a:p>
+            <a:r>
               <a:rPr lang="en-US" dirty="0" smtClean="0"/>
               <a:t>POS Tag Patterns </a:t>
             </a:r>
@@ -3774,7 +3914,7 @@
 </p:sld>
 </file>
 
-<file path=ppt/slides/slide13.xml><?xml version="1.0" encoding="utf-8"?>
+<file path=ppt/slides/slide14.xml><?xml version="1.0" encoding="utf-8"?>
 <p:sld xmlns:a="http://schemas.openxmlformats.org/drawingml/2006/main" xmlns:r="http://schemas.openxmlformats.org/officeDocument/2006/relationships" xmlns:p="http://schemas.openxmlformats.org/presentationml/2006/main">
   <p:cSld>
     <p:spTree>
@@ -3868,7 +4008,7 @@
 </p:sld>
 </file>
 
-<file path=ppt/slides/slide14.xml><?xml version="1.0" encoding="utf-8"?>
+<file path=ppt/slides/slide15.xml><?xml version="1.0" encoding="utf-8"?>
 <p:sld xmlns:a="http://schemas.openxmlformats.org/drawingml/2006/main" xmlns:r="http://schemas.openxmlformats.org/officeDocument/2006/relationships" xmlns:p="http://schemas.openxmlformats.org/presentationml/2006/main">
   <p:cSld>
     <p:spTree>
@@ -4023,7 +4163,6 @@
               <a:rPr lang="mr-IN" dirty="0"/>
               <a:t>(M(CM)*|V)*V(M(CM)*|V)* </a:t>
             </a:r>
-            <a:endParaRPr lang="mr-IN" dirty="0"/>
           </a:p>
           <a:p>
             <a:pPr lvl="1"/>
@@ -4061,7 +4200,7 @@
 </p:sld>
 </file>
 
-<file path=ppt/slides/slide15.xml><?xml version="1.0" encoding="utf-8"?>
+<file path=ppt/slides/slide16.xml><?xml version="1.0" encoding="utf-8"?>
 <p:sld xmlns:a="http://schemas.openxmlformats.org/drawingml/2006/main" xmlns:r="http://schemas.openxmlformats.org/officeDocument/2006/relationships" xmlns:p="http://schemas.openxmlformats.org/presentationml/2006/main">
   <p:cSld>
     <p:spTree>
@@ -4209,7 +4348,7 @@
 </p:sld>
 </file>
 
-<file path=ppt/slides/slide16.xml><?xml version="1.0" encoding="utf-8"?>
+<file path=ppt/slides/slide17.xml><?xml version="1.0" encoding="utf-8"?>
 <p:sld xmlns:a="http://schemas.openxmlformats.org/drawingml/2006/main" xmlns:r="http://schemas.openxmlformats.org/officeDocument/2006/relationships" xmlns:p="http://schemas.openxmlformats.org/presentationml/2006/main">
   <p:cSld>
     <p:spTree>
@@ -4612,9 +4751,6 @@
               </a:rPr>
               <a:t>Run, throw, treat, show, write, walk, climb</a:t>
             </a:r>
-            <a:endParaRPr lang="en-US" dirty="0" smtClean="0">
-              <a:sym typeface="Wingdings"/>
-            </a:endParaRPr>
           </a:p>
           <a:p>
             <a:r>
@@ -4656,13 +4792,7 @@
               <a:rPr lang="en-US" dirty="0" smtClean="0">
                 <a:sym typeface="Wingdings"/>
               </a:rPr>
-              <a:t> determine which words belo</a:t>
-            </a:r>
-            <a:r>
-              <a:rPr lang="en-US" dirty="0" smtClean="0">
-                <a:sym typeface="Wingdings"/>
-              </a:rPr>
-              <a:t>ng in the same class.</a:t>
+              <a:t> determine which words belong in the same class.</a:t>
             </a:r>
             <a:endParaRPr lang="en-US" dirty="0" smtClean="0"/>
           </a:p>
